--- a/ppts/2_Babbie_7e_PPT_ch_05.pptx
+++ b/ppts/2_Babbie_7e_PPT_ch_05.pptx
@@ -236,7 +236,7 @@
           <a:p>
             <a:fld id="{3D11D03E-4B17-6842-AA99-848824250F81}" type="datetimeFigureOut">
               <a:rPr lang="en-US" smtClean="0"/>
-              <a:t>9/6/16</a:t>
+              <a:t>9/7/16</a:t>
             </a:fld>
             <a:endParaRPr lang="en-US"/>
           </a:p>
@@ -3073,12 +3073,36 @@
           <a:p>
             <a:r>
               <a:rPr lang="en-US" dirty="0" smtClean="0"/>
+              <a:t>Three things</a:t>
+            </a:r>
+          </a:p>
+          <a:p>
+            <a:endParaRPr lang="en-US" dirty="0" smtClean="0"/>
+          </a:p>
+          <a:p>
+            <a:r>
+              <a:rPr lang="en-US" dirty="0" smtClean="0"/>
               <a:t>Everyone</a:t>
             </a:r>
             <a:r>
               <a:rPr lang="en-US" baseline="0" dirty="0" smtClean="0"/>
-              <a:t> has different mental images of concepts/constructs. Such that, if I had a paper of a list of all the things I make up prejudice, it might be different from yours. These mental images of constructs/concepts are our subjective interpretations/conceptions of that construct/concept. </a:t>
-            </a:r>
+              <a:t> </a:t>
+            </a:r>
+            <a:r>
+              <a:rPr lang="en-US" baseline="0" dirty="0" smtClean="0"/>
+              <a:t>has different mental images of concepts/constructs. Such that, if I had a paper of a list of all the things I make up prejudice, it might be different from yours. These mental images of constructs/concepts are our subjective interpretations/conceptions of that construct/concept. </a:t>
+            </a:r>
+            <a:endParaRPr lang="en-US" baseline="0" dirty="0" smtClean="0"/>
+          </a:p>
+          <a:p>
+            <a:endParaRPr lang="en-US" baseline="0" dirty="0" smtClean="0"/>
+          </a:p>
+          <a:p>
+            <a:r>
+              <a:rPr lang="en-US" baseline="0" dirty="0" smtClean="0"/>
+              <a:t>Conceptions are our subjective mental images of of constructs</a:t>
+            </a:r>
+            <a:endParaRPr lang="en-US" baseline="0" dirty="0" smtClean="0"/>
           </a:p>
           <a:p>
             <a:endParaRPr lang="en-US" baseline="0" dirty="0" smtClean="0"/>
@@ -4489,7 +4513,7 @@
           <a:p>
             <a:fld id="{C863E3D3-8AB0-E44A-9B8D-C641E586AFA6}" type="datetimeFigureOut">
               <a:rPr lang="en-US" smtClean="0"/>
-              <a:t>9/6/16</a:t>
+              <a:t>9/7/16</a:t>
             </a:fld>
             <a:endParaRPr lang="en-US"/>
           </a:p>
@@ -4684,7 +4708,7 @@
           <a:p>
             <a:fld id="{C863E3D3-8AB0-E44A-9B8D-C641E586AFA6}" type="datetimeFigureOut">
               <a:rPr lang="en-US" smtClean="0"/>
-              <a:t>9/6/16</a:t>
+              <a:t>9/7/16</a:t>
             </a:fld>
             <a:endParaRPr lang="en-US"/>
           </a:p>
@@ -5035,7 +5059,7 @@
           <a:p>
             <a:fld id="{C863E3D3-8AB0-E44A-9B8D-C641E586AFA6}" type="datetimeFigureOut">
               <a:rPr lang="en-US" smtClean="0"/>
-              <a:t>9/6/16</a:t>
+              <a:t>9/7/16</a:t>
             </a:fld>
             <a:endParaRPr lang="en-US"/>
           </a:p>
@@ -5270,7 +5294,7 @@
           <a:p>
             <a:fld id="{C863E3D3-8AB0-E44A-9B8D-C641E586AFA6}" type="datetimeFigureOut">
               <a:rPr lang="en-US" smtClean="0"/>
-              <a:t>9/6/16</a:t>
+              <a:t>9/7/16</a:t>
             </a:fld>
             <a:endParaRPr lang="en-US"/>
           </a:p>
@@ -5652,7 +5676,7 @@
           <a:p>
             <a:fld id="{C863E3D3-8AB0-E44A-9B8D-C641E586AFA6}" type="datetimeFigureOut">
               <a:rPr lang="en-US" smtClean="0"/>
-              <a:t>9/6/16</a:t>
+              <a:t>9/7/16</a:t>
             </a:fld>
             <a:endParaRPr lang="en-US"/>
           </a:p>
@@ -5971,7 +5995,7 @@
           <a:p>
             <a:fld id="{C863E3D3-8AB0-E44A-9B8D-C641E586AFA6}" type="datetimeFigureOut">
               <a:rPr lang="en-US" smtClean="0"/>
-              <a:t>9/6/16</a:t>
+              <a:t>9/7/16</a:t>
             </a:fld>
             <a:endParaRPr lang="en-US"/>
           </a:p>
@@ -6363,7 +6387,7 @@
           <a:p>
             <a:fld id="{C863E3D3-8AB0-E44A-9B8D-C641E586AFA6}" type="datetimeFigureOut">
               <a:rPr lang="en-US" smtClean="0"/>
-              <a:t>9/6/16</a:t>
+              <a:t>9/7/16</a:t>
             </a:fld>
             <a:endParaRPr lang="en-US"/>
           </a:p>
@@ -6488,7 +6512,7 @@
           <a:p>
             <a:fld id="{C863E3D3-8AB0-E44A-9B8D-C641E586AFA6}" type="datetimeFigureOut">
               <a:rPr lang="en-US" smtClean="0"/>
-              <a:t>9/6/16</a:t>
+              <a:t>9/7/16</a:t>
             </a:fld>
             <a:endParaRPr lang="en-US"/>
           </a:p>
@@ -6590,7 +6614,7 @@
           <a:p>
             <a:fld id="{C863E3D3-8AB0-E44A-9B8D-C641E586AFA6}" type="datetimeFigureOut">
               <a:rPr lang="en-US" smtClean="0"/>
-              <a:t>9/6/16</a:t>
+              <a:t>9/7/16</a:t>
             </a:fld>
             <a:endParaRPr lang="en-US"/>
           </a:p>
@@ -6865,7 +6889,7 @@
           <a:p>
             <a:fld id="{C863E3D3-8AB0-E44A-9B8D-C641E586AFA6}" type="datetimeFigureOut">
               <a:rPr lang="en-US" smtClean="0"/>
-              <a:t>9/6/16</a:t>
+              <a:t>9/7/16</a:t>
             </a:fld>
             <a:endParaRPr lang="en-US"/>
           </a:p>
@@ -7327,7 +7351,7 @@
           <a:p>
             <a:fld id="{C863E3D3-8AB0-E44A-9B8D-C641E586AFA6}" type="datetimeFigureOut">
               <a:rPr lang="en-US" smtClean="0"/>
-              <a:t>9/6/16</a:t>
+              <a:t>9/7/16</a:t>
             </a:fld>
             <a:endParaRPr lang="en-US"/>
           </a:p>
@@ -7577,7 +7601,7 @@
           <a:p>
             <a:fld id="{C863E3D3-8AB0-E44A-9B8D-C641E586AFA6}" type="datetimeFigureOut">
               <a:rPr lang="en-US" smtClean="0"/>
-              <a:t>9/6/16</a:t>
+              <a:t>9/7/16</a:t>
             </a:fld>
             <a:endParaRPr lang="en-US"/>
           </a:p>
@@ -8660,7 +8684,23 @@
           <a:p>
             <a:r>
               <a:rPr lang="en-US" dirty="0" smtClean="0"/>
-              <a:t>Identify appropriate indicators  and dimensions for…</a:t>
+              <a:t>Identify appropriate </a:t>
+            </a:r>
+            <a:r>
+              <a:rPr lang="en-US" i="1" dirty="0" smtClean="0"/>
+              <a:t>indicators</a:t>
+            </a:r>
+            <a:r>
+              <a:rPr lang="en-US" dirty="0" smtClean="0"/>
+              <a:t>  and </a:t>
+            </a:r>
+            <a:r>
+              <a:rPr lang="en-US" i="1" dirty="0" smtClean="0"/>
+              <a:t>dimensions</a:t>
+            </a:r>
+            <a:r>
+              <a:rPr lang="en-US" dirty="0" smtClean="0"/>
+              <a:t> for…</a:t>
             </a:r>
           </a:p>
           <a:p>
@@ -12390,28 +12430,40 @@
           <a:p>
             <a:r>
               <a:rPr lang="en-US" dirty="0" smtClean="0"/>
-              <a:t>How would you measure…</a:t>
-            </a:r>
-          </a:p>
-          <a:p>
+              <a:t>How would you </a:t>
+            </a:r>
+            <a:r>
+              <a:rPr lang="en-US" i="1" dirty="0" smtClean="0"/>
+              <a:t>measure</a:t>
+            </a:r>
+            <a:r>
+              <a:rPr lang="en-US" dirty="0" smtClean="0"/>
+              <a:t>…</a:t>
+            </a:r>
+          </a:p>
+          <a:p>
+            <a:pPr lvl="1"/>
             <a:r>
               <a:rPr lang="en-US" dirty="0" smtClean="0"/>
               <a:t>political party affiliation?</a:t>
             </a:r>
           </a:p>
           <a:p>
+            <a:pPr lvl="1"/>
             <a:r>
               <a:rPr lang="en-US" dirty="0" smtClean="0"/>
               <a:t>age?</a:t>
             </a:r>
           </a:p>
           <a:p>
+            <a:pPr lvl="1"/>
             <a:r>
               <a:rPr lang="en-US" dirty="0" smtClean="0"/>
               <a:t>grade point average?</a:t>
             </a:r>
           </a:p>
           <a:p>
+            <a:pPr lvl="1"/>
             <a:r>
               <a:rPr lang="en-US" dirty="0" smtClean="0"/>
               <a:t>religious affiliation?</a:t>
@@ -13331,8 +13383,17 @@
           <a:p>
             <a:r>
               <a:rPr lang="en-US" dirty="0" smtClean="0"/>
-              <a:t>How would you measure…</a:t>
-            </a:r>
+              <a:t>How would you </a:t>
+            </a:r>
+            <a:r>
+              <a:rPr lang="en-US" i="1" dirty="0" smtClean="0"/>
+              <a:t>measure</a:t>
+            </a:r>
+            <a:r>
+              <a:rPr lang="en-US" dirty="0" smtClean="0"/>
+              <a:t>…</a:t>
+            </a:r>
+            <a:endParaRPr lang="en-US" dirty="0" smtClean="0"/>
           </a:p>
           <a:p>
             <a:pPr lvl="1"/>
@@ -13445,6 +13506,10 @@
           </a:bodyPr>
           <a:lstStyle/>
           <a:p>
+            <a:pPr marL="514350" indent="-514350">
+              <a:buFont typeface="+mj-lt"/>
+              <a:buAutoNum type="arabicPeriod"/>
+            </a:pPr>
             <a:r>
               <a:rPr lang="en-US" dirty="0" smtClean="0"/>
               <a:t>Direct Observables</a:t>
@@ -13458,9 +13523,17 @@
             </a:r>
           </a:p>
           <a:p>
+            <a:pPr marL="514350" indent="-514350">
+              <a:buFont typeface="+mj-lt"/>
+              <a:buAutoNum type="arabicPeriod"/>
+            </a:pPr>
             <a:endParaRPr lang="en-US" dirty="0" smtClean="0"/>
           </a:p>
           <a:p>
+            <a:pPr marL="514350" indent="-514350">
+              <a:buFont typeface="+mj-lt"/>
+              <a:buAutoNum type="arabicPeriod"/>
+            </a:pPr>
             <a:r>
               <a:rPr lang="en-US" dirty="0" smtClean="0"/>
               <a:t>Indirect Observables</a:t>
@@ -13474,9 +13547,17 @@
             </a:r>
           </a:p>
           <a:p>
+            <a:pPr marL="514350" indent="-514350">
+              <a:buFont typeface="+mj-lt"/>
+              <a:buAutoNum type="arabicPeriod"/>
+            </a:pPr>
             <a:endParaRPr lang="en-US" dirty="0" smtClean="0"/>
           </a:p>
           <a:p>
+            <a:pPr marL="514350" indent="-514350">
+              <a:buFont typeface="+mj-lt"/>
+              <a:buAutoNum type="arabicPeriod"/>
+            </a:pPr>
             <a:r>
               <a:rPr lang="en-US" dirty="0" smtClean="0"/>
               <a:t>Constructs</a:t>
@@ -13830,7 +13911,15 @@
           <a:p>
             <a:r>
               <a:rPr lang="en-US" dirty="0" smtClean="0"/>
-              <a:t>How would you conceptualize…</a:t>
+              <a:t>How would you </a:t>
+            </a:r>
+            <a:r>
+              <a:rPr lang="en-US" i="1" dirty="0" smtClean="0"/>
+              <a:t>conceptualize</a:t>
+            </a:r>
+            <a:r>
+              <a:rPr lang="en-US" dirty="0" smtClean="0"/>
+              <a:t>…</a:t>
             </a:r>
           </a:p>
           <a:p>
